--- a/OUTFITR.pptx
+++ b/OUTFITR.pptx
@@ -12449,7 +12449,7 @@
         </p:nvSpPr>
         <p:spPr>
           <a:xfrm>
-            <a:off x="576072" y="2187574"/>
+            <a:off x="576072" y="2932157"/>
             <a:ext cx="10771632" cy="4351338"/>
           </a:xfrm>
         </p:spPr>
@@ -12471,29 +12471,7 @@
             <a:pPr algn="ctr"/>
             <a:r>
               <a:rPr lang="en-AU" dirty="0"/>
-              <a:t>Use the app to see how the clothes fit </a:t>
-            </a:r>
-          </a:p>
-          <a:p>
-            <a:pPr algn="ctr"/>
-            <a:endParaRPr lang="en-AU" dirty="0"/>
-          </a:p>
-          <a:p>
-            <a:pPr algn="ctr"/>
-            <a:r>
-              <a:rPr lang="en-AU" dirty="0"/>
-              <a:t>Save the outfits YOU see and like</a:t>
-            </a:r>
-          </a:p>
-          <a:p>
-            <a:pPr algn="ctr"/>
-            <a:endParaRPr lang="en-AU" dirty="0"/>
-          </a:p>
-          <a:p>
-            <a:pPr algn="ctr"/>
-            <a:r>
-              <a:rPr lang="en-AU" dirty="0"/>
-              <a:t>Plan when to wear those outfits. </a:t>
+              <a:t>Use the app to see how the clothes fit</a:t>
             </a:r>
           </a:p>
         </p:txBody>
@@ -13280,24 +13258,6 @@
 </file>
 
 <file path=customXml/item1.xml><?xml version="1.0" encoding="utf-8"?>
-<p:properties xmlns:p="http://schemas.microsoft.com/office/2006/metadata/properties" xmlns:xsi="http://www.w3.org/2001/XMLSchema-instance" xmlns:pc="http://schemas.microsoft.com/office/infopath/2007/PartnerControls">
-  <documentManagement>
-    <Status xmlns="71af3243-3dd4-4a8d-8c0d-dd76da1f02a5">Not started</Status>
-    <MediaServiceKeyPoints xmlns="71af3243-3dd4-4a8d-8c0d-dd76da1f02a5" xsi:nil="true"/>
-  </documentManagement>
-</p:properties>
-</file>
-
-<file path=customXml/item2.xml><?xml version="1.0" encoding="utf-8"?>
-<?mso-contentType ?>
-<FormTemplates xmlns="http://schemas.microsoft.com/sharepoint/v3/contenttype/forms">
-  <Display>DocumentLibraryForm</Display>
-  <Edit>DocumentLibraryForm</Edit>
-  <New>DocumentLibraryForm</New>
-</FormTemplates>
-</file>
-
-<file path=customXml/item3.xml><?xml version="1.0" encoding="utf-8"?>
 <ct:contentTypeSchema xmlns:ct="http://schemas.microsoft.com/office/2006/metadata/contentType" xmlns:ma="http://schemas.microsoft.com/office/2006/metadata/properties/metaAttributes" ct:_="" ma:_="" ma:contentTypeName="Document" ma:contentTypeID="0x01010079F111ED35F8CC479449609E8A0923A6" ma:contentTypeVersion="12" ma:contentTypeDescription="Create a new document." ma:contentTypeScope="" ma:versionID="426e97fa315356fffbdcd9876fe988c2">
   <xsd:schema xmlns:xsd="http://www.w3.org/2001/XMLSchema" xmlns:xs="http://www.w3.org/2001/XMLSchema" xmlns:p="http://schemas.microsoft.com/office/2006/metadata/properties" xmlns:ns2="71af3243-3dd4-4a8d-8c0d-dd76da1f02a5" xmlns:ns3="16c05727-aa75-4e4a-9b5f-8a80a1165891" targetNamespace="http://schemas.microsoft.com/office/2006/metadata/properties" ma:root="true" ma:fieldsID="14b8f0def80e6d70ce3def20c90759ae" ns2:_="" ns3:_="">
     <xsd:import namespace="71af3243-3dd4-4a8d-8c0d-dd76da1f02a5"/>
@@ -13518,25 +13478,25 @@
 </ct:contentTypeSchema>
 </file>
 
-<file path=customXml/itemProps1.xml><?xml version="1.0" encoding="utf-8"?>
-<ds:datastoreItem xmlns:ds="http://schemas.openxmlformats.org/officeDocument/2006/customXml" ds:itemID="{99919F73-B6C2-4A43-95E2-833EC48925FE}">
-  <ds:schemaRefs>
-    <ds:schemaRef ds:uri="http://schemas.microsoft.com/office/2006/metadata/properties"/>
-    <ds:schemaRef ds:uri="http://schemas.microsoft.com/office/infopath/2007/PartnerControls"/>
-    <ds:schemaRef ds:uri="71af3243-3dd4-4a8d-8c0d-dd76da1f02a5"/>
-  </ds:schemaRefs>
-</ds:datastoreItem>
+<file path=customXml/item2.xml><?xml version="1.0" encoding="utf-8"?>
+<?mso-contentType ?>
+<FormTemplates xmlns="http://schemas.microsoft.com/sharepoint/v3/contenttype/forms">
+  <Display>DocumentLibraryForm</Display>
+  <Edit>DocumentLibraryForm</Edit>
+  <New>DocumentLibraryForm</New>
+</FormTemplates>
 </file>
 
-<file path=customXml/itemProps2.xml><?xml version="1.0" encoding="utf-8"?>
-<ds:datastoreItem xmlns:ds="http://schemas.openxmlformats.org/officeDocument/2006/customXml" ds:itemID="{3C8E00D1-8EA3-4E42-801D-0253E1EAFC21}">
-  <ds:schemaRefs>
-    <ds:schemaRef ds:uri="http://schemas.microsoft.com/sharepoint/v3/contenttype/forms"/>
-  </ds:schemaRefs>
-</ds:datastoreItem>
+<file path=customXml/item3.xml><?xml version="1.0" encoding="utf-8"?>
+<p:properties xmlns:p="http://schemas.microsoft.com/office/2006/metadata/properties" xmlns:xsi="http://www.w3.org/2001/XMLSchema-instance" xmlns:pc="http://schemas.microsoft.com/office/infopath/2007/PartnerControls">
+  <documentManagement>
+    <Status xmlns="71af3243-3dd4-4a8d-8c0d-dd76da1f02a5">Not started</Status>
+    <MediaServiceKeyPoints xmlns="71af3243-3dd4-4a8d-8c0d-dd76da1f02a5" xsi:nil="true"/>
+  </documentManagement>
+</p:properties>
 </file>
 
-<file path=customXml/itemProps3.xml><?xml version="1.0" encoding="utf-8"?>
+<file path=customXml/itemProps1.xml><?xml version="1.0" encoding="utf-8"?>
 <ds:datastoreItem xmlns:ds="http://schemas.openxmlformats.org/officeDocument/2006/customXml" ds:itemID="{ABC329F5-30EE-4BF7-AA2A-B837B51416B4}">
   <ds:schemaRefs>
     <ds:schemaRef ds:uri="http://schemas.microsoft.com/office/2006/metadata/contentType"/>
@@ -13553,4 +13513,22 @@
     <ds:schemaRef ds:uri="http://schemas.microsoft.com/internal/obd"/>
   </ds:schemaRefs>
 </ds:datastoreItem>
+</file>
+
+<file path=customXml/itemProps2.xml><?xml version="1.0" encoding="utf-8"?>
+<ds:datastoreItem xmlns:ds="http://schemas.openxmlformats.org/officeDocument/2006/customXml" ds:itemID="{3C8E00D1-8EA3-4E42-801D-0253E1EAFC21}">
+  <ds:schemaRefs>
+    <ds:schemaRef ds:uri="http://schemas.microsoft.com/sharepoint/v3/contenttype/forms"/>
+  </ds:schemaRefs>
+</ds:datastoreItem>
+</file>
+
+<file path=customXml/itemProps3.xml><?xml version="1.0" encoding="utf-8"?>
+<ds:datastoreItem xmlns:ds="http://schemas.openxmlformats.org/officeDocument/2006/customXml" ds:itemID="{99919F73-B6C2-4A43-95E2-833EC48925FE}">
+  <ds:schemaRefs>
+    <ds:schemaRef ds:uri="http://schemas.microsoft.com/office/2006/metadata/properties"/>
+    <ds:schemaRef ds:uri="http://schemas.microsoft.com/office/infopath/2007/PartnerControls"/>
+    <ds:schemaRef ds:uri="71af3243-3dd4-4a8d-8c0d-dd76da1f02a5"/>
+  </ds:schemaRefs>
+</ds:datastoreItem>
 </file>
--- a/OUTFITR.pptx
+++ b/OUTFITR.pptx
@@ -12420,13 +12420,15 @@
         </p:nvSpPr>
         <p:spPr/>
         <p:txBody>
-          <a:bodyPr/>
+          <a:bodyPr>
+            <a:normAutofit fontScale="90000"/>
+          </a:bodyPr>
           <a:lstStyle/>
           <a:p>
             <a:pPr algn="ctr"/>
             <a:r>
               <a:rPr lang="en-AU" u="sng" dirty="0"/>
-              <a:t>What we do </a:t>
+              <a:t>What we currently can do </a:t>
             </a:r>
           </a:p>
         </p:txBody>
@@ -12456,13 +12458,6 @@
         <p:txBody>
           <a:bodyPr/>
           <a:lstStyle/>
-          <a:p>
-            <a:pPr algn="ctr"/>
-            <a:r>
-              <a:rPr lang="en-AU" dirty="0"/>
-              <a:t>Upload your own clothes </a:t>
-            </a:r>
-          </a:p>
           <a:p>
             <a:pPr algn="ctr"/>
             <a:endParaRPr lang="en-AU" dirty="0"/>
@@ -13258,6 +13253,24 @@
 </file>
 
 <file path=customXml/item1.xml><?xml version="1.0" encoding="utf-8"?>
+<p:properties xmlns:p="http://schemas.microsoft.com/office/2006/metadata/properties" xmlns:xsi="http://www.w3.org/2001/XMLSchema-instance" xmlns:pc="http://schemas.microsoft.com/office/infopath/2007/PartnerControls">
+  <documentManagement>
+    <Status xmlns="71af3243-3dd4-4a8d-8c0d-dd76da1f02a5">Not started</Status>
+    <MediaServiceKeyPoints xmlns="71af3243-3dd4-4a8d-8c0d-dd76da1f02a5" xsi:nil="true"/>
+  </documentManagement>
+</p:properties>
+</file>
+
+<file path=customXml/item2.xml><?xml version="1.0" encoding="utf-8"?>
+<?mso-contentType ?>
+<FormTemplates xmlns="http://schemas.microsoft.com/sharepoint/v3/contenttype/forms">
+  <Display>DocumentLibraryForm</Display>
+  <Edit>DocumentLibraryForm</Edit>
+  <New>DocumentLibraryForm</New>
+</FormTemplates>
+</file>
+
+<file path=customXml/item3.xml><?xml version="1.0" encoding="utf-8"?>
 <ct:contentTypeSchema xmlns:ct="http://schemas.microsoft.com/office/2006/metadata/contentType" xmlns:ma="http://schemas.microsoft.com/office/2006/metadata/properties/metaAttributes" ct:_="" ma:_="" ma:contentTypeName="Document" ma:contentTypeID="0x01010079F111ED35F8CC479449609E8A0923A6" ma:contentTypeVersion="12" ma:contentTypeDescription="Create a new document." ma:contentTypeScope="" ma:versionID="426e97fa315356fffbdcd9876fe988c2">
   <xsd:schema xmlns:xsd="http://www.w3.org/2001/XMLSchema" xmlns:xs="http://www.w3.org/2001/XMLSchema" xmlns:p="http://schemas.microsoft.com/office/2006/metadata/properties" xmlns:ns2="71af3243-3dd4-4a8d-8c0d-dd76da1f02a5" xmlns:ns3="16c05727-aa75-4e4a-9b5f-8a80a1165891" targetNamespace="http://schemas.microsoft.com/office/2006/metadata/properties" ma:root="true" ma:fieldsID="14b8f0def80e6d70ce3def20c90759ae" ns2:_="" ns3:_="">
     <xsd:import namespace="71af3243-3dd4-4a8d-8c0d-dd76da1f02a5"/>
@@ -13478,25 +13491,25 @@
 </ct:contentTypeSchema>
 </file>
 
-<file path=customXml/item2.xml><?xml version="1.0" encoding="utf-8"?>
-<?mso-contentType ?>
-<FormTemplates xmlns="http://schemas.microsoft.com/sharepoint/v3/contenttype/forms">
-  <Display>DocumentLibraryForm</Display>
-  <Edit>DocumentLibraryForm</Edit>
-  <New>DocumentLibraryForm</New>
-</FormTemplates>
+<file path=customXml/itemProps1.xml><?xml version="1.0" encoding="utf-8"?>
+<ds:datastoreItem xmlns:ds="http://schemas.openxmlformats.org/officeDocument/2006/customXml" ds:itemID="{99919F73-B6C2-4A43-95E2-833EC48925FE}">
+  <ds:schemaRefs>
+    <ds:schemaRef ds:uri="http://schemas.microsoft.com/office/2006/metadata/properties"/>
+    <ds:schemaRef ds:uri="http://schemas.microsoft.com/office/infopath/2007/PartnerControls"/>
+    <ds:schemaRef ds:uri="71af3243-3dd4-4a8d-8c0d-dd76da1f02a5"/>
+  </ds:schemaRefs>
+</ds:datastoreItem>
 </file>
 
-<file path=customXml/item3.xml><?xml version="1.0" encoding="utf-8"?>
-<p:properties xmlns:p="http://schemas.microsoft.com/office/2006/metadata/properties" xmlns:xsi="http://www.w3.org/2001/XMLSchema-instance" xmlns:pc="http://schemas.microsoft.com/office/infopath/2007/PartnerControls">
-  <documentManagement>
-    <Status xmlns="71af3243-3dd4-4a8d-8c0d-dd76da1f02a5">Not started</Status>
-    <MediaServiceKeyPoints xmlns="71af3243-3dd4-4a8d-8c0d-dd76da1f02a5" xsi:nil="true"/>
-  </documentManagement>
-</p:properties>
+<file path=customXml/itemProps2.xml><?xml version="1.0" encoding="utf-8"?>
+<ds:datastoreItem xmlns:ds="http://schemas.openxmlformats.org/officeDocument/2006/customXml" ds:itemID="{3C8E00D1-8EA3-4E42-801D-0253E1EAFC21}">
+  <ds:schemaRefs>
+    <ds:schemaRef ds:uri="http://schemas.microsoft.com/sharepoint/v3/contenttype/forms"/>
+  </ds:schemaRefs>
+</ds:datastoreItem>
 </file>
 
-<file path=customXml/itemProps1.xml><?xml version="1.0" encoding="utf-8"?>
+<file path=customXml/itemProps3.xml><?xml version="1.0" encoding="utf-8"?>
 <ds:datastoreItem xmlns:ds="http://schemas.openxmlformats.org/officeDocument/2006/customXml" ds:itemID="{ABC329F5-30EE-4BF7-AA2A-B837B51416B4}">
   <ds:schemaRefs>
     <ds:schemaRef ds:uri="http://schemas.microsoft.com/office/2006/metadata/contentType"/>
@@ -13513,22 +13526,4 @@
     <ds:schemaRef ds:uri="http://schemas.microsoft.com/internal/obd"/>
   </ds:schemaRefs>
 </ds:datastoreItem>
-</file>
-
-<file path=customXml/itemProps2.xml><?xml version="1.0" encoding="utf-8"?>
-<ds:datastoreItem xmlns:ds="http://schemas.openxmlformats.org/officeDocument/2006/customXml" ds:itemID="{3C8E00D1-8EA3-4E42-801D-0253E1EAFC21}">
-  <ds:schemaRefs>
-    <ds:schemaRef ds:uri="http://schemas.microsoft.com/sharepoint/v3/contenttype/forms"/>
-  </ds:schemaRefs>
-</ds:datastoreItem>
-</file>
-
-<file path=customXml/itemProps3.xml><?xml version="1.0" encoding="utf-8"?>
-<ds:datastoreItem xmlns:ds="http://schemas.openxmlformats.org/officeDocument/2006/customXml" ds:itemID="{99919F73-B6C2-4A43-95E2-833EC48925FE}">
-  <ds:schemaRefs>
-    <ds:schemaRef ds:uri="http://schemas.microsoft.com/office/2006/metadata/properties"/>
-    <ds:schemaRef ds:uri="http://schemas.microsoft.com/office/infopath/2007/PartnerControls"/>
-    <ds:schemaRef ds:uri="71af3243-3dd4-4a8d-8c0d-dd76da1f02a5"/>
-  </ds:schemaRefs>
-</ds:datastoreItem>
 </file>